--- a/CSE111-Phase 1.pptx
+++ b/CSE111-Phase 1.pptx
@@ -1329,7 +1329,7 @@
       </p:grpSpPr>
       <p:sp>
         <p:nvSpPr>
-          <p:cNvPr id="563" name="Google Shape;563;g290b95e5c09_2_557:notes"/>
+          <p:cNvPr id="563" name="Google Shape;563;g2912690f76a_1_0:notes"/>
           <p:cNvSpPr/>
           <p:nvPr>
             <p:ph idx="2" type="sldImg"/>
@@ -1364,7 +1364,7 @@
       </p:sp>
       <p:sp>
         <p:nvSpPr>
-          <p:cNvPr id="564" name="Google Shape;564;g290b95e5c09_2_557:notes"/>
+          <p:cNvPr id="564" name="Google Shape;564;g2912690f76a_1_0:notes"/>
           <p:cNvSpPr txBox="1"/>
           <p:nvPr>
             <p:ph idx="1" type="body"/>
@@ -33458,20 +33458,20 @@
         </p:nvSpPr>
         <p:spPr>
           <a:xfrm>
-            <a:off x="720000" y="445025"/>
-            <a:ext cx="7704000" cy="572700"/>
+            <a:off x="1644450" y="1307100"/>
+            <a:ext cx="5855100" cy="2529300"/>
           </a:xfrm>
           <a:prstGeom prst="rect">
             <a:avLst/>
           </a:prstGeom>
         </p:spPr>
         <p:txBody>
-          <a:bodyPr anchorCtr="0" anchor="t" bIns="91425" lIns="91425" spcFirstLastPara="1" rIns="91425" wrap="square" tIns="91425">
+          <a:bodyPr anchorCtr="0" anchor="ctr" bIns="91425" lIns="91425" spcFirstLastPara="1" rIns="91425" wrap="square" tIns="91425">
             <a:noAutofit/>
           </a:bodyPr>
           <a:lstStyle/>
           <a:p>
-            <a:pPr indent="0" lvl="0" marL="0" rtl="0" algn="l">
+            <a:pPr indent="0" lvl="0" marL="0" rtl="0" algn="ctr">
               <a:spcBef>
                 <a:spcPts val="0"/>
               </a:spcBef>
@@ -33482,47 +33482,7 @@
             </a:pPr>
             <a:r>
               <a:rPr lang="en"/>
-              <a:t>Implementation</a:t>
-            </a:r>
-            <a:endParaRPr/>
-          </a:p>
-        </p:txBody>
-      </p:sp>
-      <p:sp>
-        <p:nvSpPr>
-          <p:cNvPr id="567" name="Google Shape;567;p35"/>
-          <p:cNvSpPr txBox="1"/>
-          <p:nvPr>
-            <p:ph idx="1" type="body"/>
-          </p:nvPr>
-        </p:nvSpPr>
-        <p:spPr>
-          <a:xfrm>
-            <a:off x="720013" y="1017725"/>
-            <a:ext cx="7704000" cy="372300"/>
-          </a:xfrm>
-          <a:prstGeom prst="rect">
-            <a:avLst/>
-          </a:prstGeom>
-        </p:spPr>
-        <p:txBody>
-          <a:bodyPr anchorCtr="0" anchor="t" bIns="91425" lIns="91425" spcFirstLastPara="1" rIns="91425" wrap="square" tIns="91425">
-            <a:noAutofit/>
-          </a:bodyPr>
-          <a:lstStyle/>
-          <a:p>
-            <a:pPr indent="0" lvl="0" marL="0" rtl="0" algn="l">
-              <a:spcBef>
-                <a:spcPts val="0"/>
-              </a:spcBef>
-              <a:spcAft>
-                <a:spcPts val="0"/>
-              </a:spcAft>
-              <a:buNone/>
-            </a:pPr>
-            <a:r>
-              <a:rPr lang="en"/>
-              <a:t>Saltcorn</a:t>
+              <a:t>Thanks!</a:t>
             </a:r>
             <a:endParaRPr/>
           </a:p>
